--- a/Research/Informe  + Presentacion/Triqui Presentation.pptx
+++ b/Research/Informe  + Presentacion/Triqui Presentation.pptx
@@ -846,7 +846,7 @@
           <a:p>
             <a:fld id="{9992DFD9-4284-4046-826A-DF7C86420486}" type="datetimeFigureOut">
               <a:rPr lang="es-ES" smtClean="0"/>
-              <a:t>29/09/2015</a:t>
+              <a:t>30/09/2015</a:t>
             </a:fld>
             <a:endParaRPr lang="es-ES"/>
           </a:p>
@@ -1097,7 +1097,7 @@
           <a:p>
             <a:fld id="{9992DFD9-4284-4046-826A-DF7C86420486}" type="datetimeFigureOut">
               <a:rPr lang="es-ES" smtClean="0"/>
-              <a:t>29/09/2015</a:t>
+              <a:t>30/09/2015</a:t>
             </a:fld>
             <a:endParaRPr lang="es-ES"/>
           </a:p>
@@ -1411,7 +1411,7 @@
           <a:p>
             <a:fld id="{9992DFD9-4284-4046-826A-DF7C86420486}" type="datetimeFigureOut">
               <a:rPr lang="es-ES" smtClean="0"/>
-              <a:t>29/09/2015</a:t>
+              <a:t>30/09/2015</a:t>
             </a:fld>
             <a:endParaRPr lang="es-ES"/>
           </a:p>
@@ -1752,7 +1752,7 @@
           <a:p>
             <a:fld id="{9992DFD9-4284-4046-826A-DF7C86420486}" type="datetimeFigureOut">
               <a:rPr lang="es-ES" smtClean="0"/>
-              <a:t>29/09/2015</a:t>
+              <a:t>30/09/2015</a:t>
             </a:fld>
             <a:endParaRPr lang="es-ES"/>
           </a:p>
@@ -2066,7 +2066,7 @@
           <a:p>
             <a:fld id="{9992DFD9-4284-4046-826A-DF7C86420486}" type="datetimeFigureOut">
               <a:rPr lang="es-ES" smtClean="0"/>
-              <a:t>29/09/2015</a:t>
+              <a:t>30/09/2015</a:t>
             </a:fld>
             <a:endParaRPr lang="es-ES"/>
           </a:p>
@@ -2459,7 +2459,7 @@
           <a:p>
             <a:fld id="{9992DFD9-4284-4046-826A-DF7C86420486}" type="datetimeFigureOut">
               <a:rPr lang="es-ES" smtClean="0"/>
-              <a:t>29/09/2015</a:t>
+              <a:t>30/09/2015</a:t>
             </a:fld>
             <a:endParaRPr lang="es-ES"/>
           </a:p>
@@ -2629,7 +2629,7 @@
           <a:p>
             <a:fld id="{9992DFD9-4284-4046-826A-DF7C86420486}" type="datetimeFigureOut">
               <a:rPr lang="es-ES" smtClean="0"/>
-              <a:t>29/09/2015</a:t>
+              <a:t>30/09/2015</a:t>
             </a:fld>
             <a:endParaRPr lang="es-ES"/>
           </a:p>
@@ -2809,7 +2809,7 @@
           <a:p>
             <a:fld id="{9992DFD9-4284-4046-826A-DF7C86420486}" type="datetimeFigureOut">
               <a:rPr lang="es-ES" smtClean="0"/>
-              <a:t>29/09/2015</a:t>
+              <a:t>30/09/2015</a:t>
             </a:fld>
             <a:endParaRPr lang="es-ES"/>
           </a:p>
@@ -2985,7 +2985,7 @@
           <a:p>
             <a:fld id="{9992DFD9-4284-4046-826A-DF7C86420486}" type="datetimeFigureOut">
               <a:rPr lang="es-ES" smtClean="0"/>
-              <a:t>29/09/2015</a:t>
+              <a:t>30/09/2015</a:t>
             </a:fld>
             <a:endParaRPr lang="es-ES"/>
           </a:p>
@@ -3232,7 +3232,7 @@
           <a:p>
             <a:fld id="{9992DFD9-4284-4046-826A-DF7C86420486}" type="datetimeFigureOut">
               <a:rPr lang="es-ES" smtClean="0"/>
-              <a:t>29/09/2015</a:t>
+              <a:t>30/09/2015</a:t>
             </a:fld>
             <a:endParaRPr lang="es-ES"/>
           </a:p>
@@ -3464,7 +3464,7 @@
           <a:p>
             <a:fld id="{9992DFD9-4284-4046-826A-DF7C86420486}" type="datetimeFigureOut">
               <a:rPr lang="es-ES" smtClean="0"/>
-              <a:t>29/09/2015</a:t>
+              <a:t>30/09/2015</a:t>
             </a:fld>
             <a:endParaRPr lang="es-ES"/>
           </a:p>
@@ -3838,7 +3838,7 @@
           <a:p>
             <a:fld id="{9992DFD9-4284-4046-826A-DF7C86420486}" type="datetimeFigureOut">
               <a:rPr lang="es-ES" smtClean="0"/>
-              <a:t>29/09/2015</a:t>
+              <a:t>30/09/2015</a:t>
             </a:fld>
             <a:endParaRPr lang="es-ES"/>
           </a:p>
@@ -3961,7 +3961,7 @@
           <a:p>
             <a:fld id="{9992DFD9-4284-4046-826A-DF7C86420486}" type="datetimeFigureOut">
               <a:rPr lang="es-ES" smtClean="0"/>
-              <a:t>29/09/2015</a:t>
+              <a:t>30/09/2015</a:t>
             </a:fld>
             <a:endParaRPr lang="es-ES"/>
           </a:p>
@@ -4056,7 +4056,7 @@
           <a:p>
             <a:fld id="{9992DFD9-4284-4046-826A-DF7C86420486}" type="datetimeFigureOut">
               <a:rPr lang="es-ES" smtClean="0"/>
-              <a:t>29/09/2015</a:t>
+              <a:t>30/09/2015</a:t>
             </a:fld>
             <a:endParaRPr lang="es-ES"/>
           </a:p>
@@ -4311,7 +4311,7 @@
           <a:p>
             <a:fld id="{9992DFD9-4284-4046-826A-DF7C86420486}" type="datetimeFigureOut">
               <a:rPr lang="es-ES" smtClean="0"/>
-              <a:t>29/09/2015</a:t>
+              <a:t>30/09/2015</a:t>
             </a:fld>
             <a:endParaRPr lang="es-ES"/>
           </a:p>
@@ -4574,7 +4574,7 @@
           <a:p>
             <a:fld id="{9992DFD9-4284-4046-826A-DF7C86420486}" type="datetimeFigureOut">
               <a:rPr lang="es-ES" smtClean="0"/>
-              <a:t>29/09/2015</a:t>
+              <a:t>30/09/2015</a:t>
             </a:fld>
             <a:endParaRPr lang="es-ES"/>
           </a:p>
@@ -5317,7 +5317,7 @@
           <a:p>
             <a:fld id="{9992DFD9-4284-4046-826A-DF7C86420486}" type="datetimeFigureOut">
               <a:rPr lang="es-ES" smtClean="0"/>
-              <a:t>29/09/2015</a:t>
+              <a:t>30/09/2015</a:t>
             </a:fld>
             <a:endParaRPr lang="es-ES"/>
           </a:p>
@@ -6255,6 +6255,10 @@
           <a:lstStyle/>
           <a:p>
             <a:r>
+              <a:rPr lang="es-CO" dirty="0" smtClean="0"/>
+              <a:t>Algoritmo </a:t>
+            </a:r>
+            <a:r>
               <a:rPr lang="es-CO" dirty="0" err="1" smtClean="0"/>
               <a:t>Minimax</a:t>
             </a:r>
@@ -6295,12 +6299,12 @@
               <a:t> es el corazón de la inteligencia artificial del </a:t>
             </a:r>
             <a:r>
-              <a:rPr lang="es-CO" dirty="0" err="1" smtClean="0"/>
-              <a:t>triqui</a:t>
-            </a:r>
-            <a:r>
               <a:rPr lang="es-CO" dirty="0" smtClean="0"/>
-              <a:t>, este algoritmo, a grandes rasgos, analiza cada posición posible y selecciona la jugada mas viable para la maquina.</a:t>
+              <a:t>juego, </a:t>
+            </a:r>
+            <a:r>
+              <a:rPr lang="es-CO" dirty="0" smtClean="0"/>
+              <a:t>este algoritmo, a grandes rasgos, analiza cada posición posible y selecciona la jugada mas viable para la maquina.</a:t>
             </a:r>
           </a:p>
           <a:p>
@@ -6434,12 +6438,8 @@
               <a:t>Para el </a:t>
             </a:r>
             <a:r>
-              <a:rPr lang="es-CO" dirty="0" err="1" smtClean="0"/>
-              <a:t>algortimo</a:t>
-            </a:r>
-            <a:r>
               <a:rPr lang="es-CO" dirty="0" smtClean="0"/>
-              <a:t> </a:t>
+              <a:t>algoritmo </a:t>
             </a:r>
             <a:r>
               <a:rPr lang="es-CO" dirty="0" err="1"/>
@@ -7855,11 +7855,11 @@
   <p:clrMapOvr>
     <a:masterClrMapping/>
   </p:clrMapOvr>
-  <mc:AlternateContent xmlns:mc="http://schemas.openxmlformats.org/markup-compatibility/2006">
-    <mc:Choice xmlns:p14="http://schemas.microsoft.com/office/powerpoint/2010/main" Requires="p14">
+  <mc:AlternateContent xmlns:mc="http://schemas.openxmlformats.org/markup-compatibility/2006" xmlns:p14="http://schemas.microsoft.com/office/powerpoint/2010/main">
+    <mc:Choice Requires="p14">
       <p:transition p14:dur="10"/>
     </mc:Choice>
-    <mc:Fallback>
+    <mc:Fallback xmlns="">
       <p:transition/>
     </mc:Fallback>
   </mc:AlternateContent>
@@ -11979,6 +11979,10 @@
               <a:rPr lang="en-US" dirty="0" err="1" smtClean="0"/>
               <a:t>juego</a:t>
             </a:r>
+            <a:r>
+              <a:rPr lang="en-US" dirty="0" smtClean="0"/>
+              <a:t>.</a:t>
+            </a:r>
             <a:endParaRPr lang="en-US" dirty="0" smtClean="0"/>
           </a:p>
           <a:p>
@@ -12012,7 +12016,7 @@
             </a:r>
             <a:r>
               <a:rPr lang="en-US" dirty="0" err="1" smtClean="0"/>
-              <a:t>navegacion</a:t>
+              <a:t>navegación</a:t>
             </a:r>
             <a:r>
               <a:rPr lang="en-US" dirty="0" smtClean="0"/>
@@ -12032,23 +12036,23 @@
             </a:r>
             <a:r>
               <a:rPr lang="en-US" dirty="0" smtClean="0"/>
-              <a:t> y para </a:t>
+              <a:t> y </a:t>
+            </a:r>
+            <a:r>
+              <a:rPr lang="en-US" dirty="0" smtClean="0"/>
+              <a:t>para la </a:t>
             </a:r>
             <a:r>
               <a:rPr lang="en-US" dirty="0" err="1" smtClean="0"/>
-              <a:t>darle</a:t>
+              <a:t>selección</a:t>
             </a:r>
             <a:r>
               <a:rPr lang="en-US" dirty="0" smtClean="0"/>
-              <a:t> la </a:t>
-            </a:r>
-            <a:r>
-              <a:rPr lang="en-US" dirty="0" err="1" smtClean="0"/>
-              <a:t>seleccion</a:t>
+              <a:t> </a:t>
             </a:r>
             <a:r>
               <a:rPr lang="en-US" dirty="0" smtClean="0"/>
-              <a:t> de </a:t>
+              <a:t>de </a:t>
             </a:r>
             <a:r>
               <a:rPr lang="en-US" dirty="0" err="1" smtClean="0"/>
@@ -12197,12 +12201,12 @@
           </a:p>
           <a:p>
             <a:r>
-              <a:rPr lang="es-CO" dirty="0" err="1" smtClean="0"/>
-              <a:t>Tambien</a:t>
-            </a:r>
-            <a:r>
               <a:rPr lang="es-CO" dirty="0" smtClean="0"/>
-              <a:t> se muestra quien tiene el </a:t>
+              <a:t>También </a:t>
+            </a:r>
+            <a:r>
+              <a:rPr lang="es-CO" dirty="0" smtClean="0"/>
+              <a:t>se muestra quien tiene el </a:t>
             </a:r>
             <a:br>
               <a:rPr lang="es-CO" dirty="0" smtClean="0"/>
@@ -12212,20 +12216,28 @@
               <a:t>turno en un </a:t>
             </a:r>
             <a:r>
+              <a:rPr lang="es-CO" dirty="0" err="1"/>
+              <a:t>L</a:t>
+            </a:r>
+            <a:r>
               <a:rPr lang="es-CO" dirty="0" err="1" smtClean="0"/>
-              <a:t>label</a:t>
+              <a:t>abel</a:t>
             </a:r>
             <a:r>
               <a:rPr lang="es-CO" dirty="0" smtClean="0"/>
-              <a:t> al lado </a:t>
-            </a:r>
-            <a:r>
-              <a:rPr lang="es-CO" dirty="0" err="1" smtClean="0"/>
-              <a:t>izquiero</a:t>
+              <a:t> </a:t>
             </a:r>
             <a:r>
               <a:rPr lang="es-CO" dirty="0" smtClean="0"/>
-              <a:t> del </a:t>
+              <a:t>al lado </a:t>
+            </a:r>
+            <a:r>
+              <a:rPr lang="es-CO" dirty="0" smtClean="0"/>
+              <a:t>izquierdo </a:t>
+            </a:r>
+            <a:r>
+              <a:rPr lang="es-CO" dirty="0" smtClean="0"/>
+              <a:t>del </a:t>
             </a:r>
             <a:br>
               <a:rPr lang="es-CO" dirty="0" smtClean="0"/>
@@ -12240,7 +12252,7 @@
       </p:sp>
       <p:pic>
         <p:nvPicPr>
-          <p:cNvPr id="4" name="Picture 3"/>
+          <p:cNvPr id="5" name="Picture 4"/>
           <p:cNvPicPr>
             <a:picLocks noChangeAspect="1"/>
           </p:cNvPicPr>
@@ -12260,8 +12272,8 @@
         </p:blipFill>
         <p:spPr>
           <a:xfrm>
-            <a:off x="5103704" y="2688862"/>
-            <a:ext cx="6826558" cy="3665492"/>
+            <a:off x="5190308" y="2473198"/>
+            <a:ext cx="6786115" cy="3648928"/>
           </a:xfrm>
           <a:prstGeom prst="rect">
             <a:avLst/>
@@ -12354,42 +12366,50 @@
           <a:lstStyle/>
           <a:p>
             <a:r>
-              <a:rPr lang="es-CO" smtClean="0"/>
-              <a:t>El modo VS AI permite a un usuario humano jugar en contra de la maquina, controlada por una inteligencia artificial, para este modo de juego se tienen 2 dificultades: Facil e Imposible.</a:t>
-            </a:r>
-          </a:p>
-          <a:p>
-            <a:endParaRPr lang="es-CO" smtClean="0"/>
-          </a:p>
-          <a:p>
-            <a:r>
-              <a:rPr lang="es-CO" smtClean="0"/>
+              <a:rPr lang="es-CO" dirty="0" smtClean="0"/>
+              <a:t>El modo VS AI permite a un usuario humano jugar en contra de la maquina, controlada por una inteligencia artificial, para este modo de juego se tienen 2 dificultades: </a:t>
+            </a:r>
+            <a:r>
+              <a:rPr lang="es-CO" dirty="0" err="1" smtClean="0"/>
+              <a:t>Facil</a:t>
+            </a:r>
+            <a:r>
+              <a:rPr lang="es-CO" dirty="0" smtClean="0"/>
+              <a:t> e Imposible.</a:t>
+            </a:r>
+          </a:p>
+          <a:p>
+            <a:endParaRPr lang="es-CO" dirty="0" smtClean="0"/>
+          </a:p>
+          <a:p>
+            <a:r>
+              <a:rPr lang="es-CO" dirty="0" smtClean="0"/>
               <a:t>Para entender el funcionamiento de</a:t>
             </a:r>
             <a:br>
-              <a:rPr lang="es-CO" smtClean="0"/>
+              <a:rPr lang="es-CO" dirty="0" smtClean="0"/>
             </a:br>
             <a:r>
-              <a:rPr lang="es-CO" smtClean="0"/>
+              <a:rPr lang="es-CO" dirty="0" smtClean="0"/>
               <a:t>la inteligencia artificial se deben </a:t>
             </a:r>
             <a:br>
-              <a:rPr lang="es-CO" smtClean="0"/>
+              <a:rPr lang="es-CO" dirty="0" smtClean="0"/>
             </a:br>
             <a:r>
-              <a:rPr lang="es-CO" smtClean="0"/>
+              <a:rPr lang="es-CO" dirty="0" smtClean="0"/>
               <a:t>explicar unos conceptos del </a:t>
             </a:r>
             <a:br>
-              <a:rPr lang="es-CO" smtClean="0"/>
+              <a:rPr lang="es-CO" dirty="0" smtClean="0"/>
             </a:br>
             <a:r>
-              <a:rPr lang="es-CO" smtClean="0"/>
+              <a:rPr lang="es-CO" dirty="0" smtClean="0"/>
               <a:t>funcionamiento del juego:</a:t>
             </a:r>
           </a:p>
           <a:p>
-            <a:endParaRPr lang="es-CO" smtClean="0"/>
+            <a:endParaRPr lang="es-CO" dirty="0" smtClean="0"/>
           </a:p>
           <a:p>
             <a:pPr>
@@ -12397,7 +12417,7 @@
               <a:buAutoNum type="arabicPeriod"/>
             </a:pPr>
             <a:r>
-              <a:rPr lang="es-CO" smtClean="0"/>
+              <a:rPr lang="es-CO" dirty="0" smtClean="0"/>
               <a:t>Estados de juego.</a:t>
             </a:r>
           </a:p>
@@ -12407,8 +12427,16 @@
               <a:buAutoNum type="arabicPeriod"/>
             </a:pPr>
             <a:r>
-              <a:rPr lang="es-CO" smtClean="0"/>
-              <a:t>Seleccionar un ganador o el empate.</a:t>
+              <a:rPr lang="es-CO" dirty="0" smtClean="0"/>
+              <a:t>Seleccionar </a:t>
+            </a:r>
+            <a:r>
+              <a:rPr lang="es-CO" dirty="0" smtClean="0"/>
+              <a:t>el ganador </a:t>
+            </a:r>
+            <a:r>
+              <a:rPr lang="es-CO" dirty="0" smtClean="0"/>
+              <a:t>o el empate.</a:t>
             </a:r>
           </a:p>
           <a:p>
@@ -12417,8 +12445,16 @@
               <a:buAutoNum type="arabicPeriod"/>
             </a:pPr>
             <a:r>
-              <a:rPr lang="es-CO" smtClean="0"/>
-              <a:t>Minimax.</a:t>
+              <a:rPr lang="es-CO" dirty="0" smtClean="0"/>
+              <a:t>Algoritmo </a:t>
+            </a:r>
+            <a:r>
+              <a:rPr lang="es-CO" dirty="0" err="1" smtClean="0"/>
+              <a:t>Minimax</a:t>
+            </a:r>
+            <a:r>
+              <a:rPr lang="es-CO" dirty="0" smtClean="0"/>
+              <a:t>.</a:t>
             </a:r>
           </a:p>
           <a:p>
@@ -12569,7 +12605,11 @@
             </a:r>
             <a:r>
               <a:rPr lang="es-CO" dirty="0" smtClean="0"/>
-              <a:t> a un vector unidimensional de 9 posiciones que llamaremos Pos.</a:t>
+              <a:t>, </a:t>
+            </a:r>
+            <a:r>
+              <a:rPr lang="es-CO" dirty="0" smtClean="0"/>
+              <a:t>a un vector unidimensional de 9 posiciones que llamaremos Pos.</a:t>
             </a:r>
           </a:p>
           <a:p>
@@ -13464,7 +13504,15 @@
             </a:br>
             <a:r>
               <a:rPr lang="es-CO" dirty="0" smtClean="0"/>
-              <a:t>Esta función analiza las 9 opciones posibles de que haya un ganador para ambas figuras (X y O) y retorna 1 cuando el ganador es X y -1 cuando el ganador es O. Si no existe ganador se retorna 0.</a:t>
+              <a:t>Esta función analiza las </a:t>
+            </a:r>
+            <a:r>
+              <a:rPr lang="es-CO" dirty="0" smtClean="0"/>
+              <a:t>8 </a:t>
+            </a:r>
+            <a:r>
+              <a:rPr lang="es-CO" dirty="0" smtClean="0"/>
+              <a:t>opciones posibles de que haya un ganador para ambas figuras (X y O) y retorna 1 cuando el ganador es X y -1 cuando el ganador es O. Si no existe ganador se retorna 0.</a:t>
             </a:r>
             <a:endParaRPr lang="es-ES" dirty="0" smtClean="0"/>
           </a:p>
